--- a/Chapter4_MultiAPR/Chapter4Figs/ToFexample.pptx
+++ b/Chapter4_MultiAPR/Chapter4Figs/ToFexample.pptx
@@ -3634,7 +3634,7 @@
         </p:nvSpPr>
         <p:spPr>
           <a:xfrm>
-            <a:off x="4427984" y="2636912"/>
+            <a:off x="4390660" y="2664905"/>
             <a:ext cx="216024" cy="216024"/>
           </a:xfrm>
           <a:prstGeom prst="ellipse">

--- a/Chapter4_MultiAPR/Chapter4Figs/ToFexample.pptx
+++ b/Chapter4_MultiAPR/Chapter4Figs/ToFexample.pptx
@@ -288,7 +288,8 @@
           <a:p>
             <a:fld id="{03821F2B-192B-4994-AC9E-F2B408F8063F}" type="datetimeFigureOut">
               <a:rPr lang="en-GB" smtClean="0"/>
-              <a:t>31/10/2013</a:t>
+              <a:pPr/>
+              <a:t>04/11/2013</a:t>
             </a:fld>
             <a:endParaRPr lang="en-GB"/>
           </a:p>
@@ -330,6 +331,7 @@
           <a:p>
             <a:fld id="{77201AC8-27C6-4CC5-8B4B-644E076A88E6}" type="slidenum">
               <a:rPr lang="en-GB" smtClean="0"/>
+              <a:pPr/>
               <a:t>‹#›</a:t>
             </a:fld>
             <a:endParaRPr lang="en-GB"/>
@@ -453,7 +455,8 @@
           <a:p>
             <a:fld id="{03821F2B-192B-4994-AC9E-F2B408F8063F}" type="datetimeFigureOut">
               <a:rPr lang="en-GB" smtClean="0"/>
-              <a:t>31/10/2013</a:t>
+              <a:pPr/>
+              <a:t>04/11/2013</a:t>
             </a:fld>
             <a:endParaRPr lang="en-GB"/>
           </a:p>
@@ -495,6 +498,7 @@
           <a:p>
             <a:fld id="{77201AC8-27C6-4CC5-8B4B-644E076A88E6}" type="slidenum">
               <a:rPr lang="en-GB" smtClean="0"/>
+              <a:pPr/>
               <a:t>‹#›</a:t>
             </a:fld>
             <a:endParaRPr lang="en-GB"/>
@@ -628,7 +632,8 @@
           <a:p>
             <a:fld id="{03821F2B-192B-4994-AC9E-F2B408F8063F}" type="datetimeFigureOut">
               <a:rPr lang="en-GB" smtClean="0"/>
-              <a:t>31/10/2013</a:t>
+              <a:pPr/>
+              <a:t>04/11/2013</a:t>
             </a:fld>
             <a:endParaRPr lang="en-GB"/>
           </a:p>
@@ -670,6 +675,7 @@
           <a:p>
             <a:fld id="{77201AC8-27C6-4CC5-8B4B-644E076A88E6}" type="slidenum">
               <a:rPr lang="en-GB" smtClean="0"/>
+              <a:pPr/>
               <a:t>‹#›</a:t>
             </a:fld>
             <a:endParaRPr lang="en-GB"/>
@@ -793,7 +799,8 @@
           <a:p>
             <a:fld id="{03821F2B-192B-4994-AC9E-F2B408F8063F}" type="datetimeFigureOut">
               <a:rPr lang="en-GB" smtClean="0"/>
-              <a:t>31/10/2013</a:t>
+              <a:pPr/>
+              <a:t>04/11/2013</a:t>
             </a:fld>
             <a:endParaRPr lang="en-GB"/>
           </a:p>
@@ -835,6 +842,7 @@
           <a:p>
             <a:fld id="{77201AC8-27C6-4CC5-8B4B-644E076A88E6}" type="slidenum">
               <a:rPr lang="en-GB" smtClean="0"/>
+              <a:pPr/>
               <a:t>‹#›</a:t>
             </a:fld>
             <a:endParaRPr lang="en-GB"/>
@@ -1034,7 +1042,8 @@
           <a:p>
             <a:fld id="{03821F2B-192B-4994-AC9E-F2B408F8063F}" type="datetimeFigureOut">
               <a:rPr lang="en-GB" smtClean="0"/>
-              <a:t>31/10/2013</a:t>
+              <a:pPr/>
+              <a:t>04/11/2013</a:t>
             </a:fld>
             <a:endParaRPr lang="en-GB"/>
           </a:p>
@@ -1076,6 +1085,7 @@
           <a:p>
             <a:fld id="{77201AC8-27C6-4CC5-8B4B-644E076A88E6}" type="slidenum">
               <a:rPr lang="en-GB" smtClean="0"/>
+              <a:pPr/>
               <a:t>‹#›</a:t>
             </a:fld>
             <a:endParaRPr lang="en-GB"/>
@@ -1317,7 +1327,8 @@
           <a:p>
             <a:fld id="{03821F2B-192B-4994-AC9E-F2B408F8063F}" type="datetimeFigureOut">
               <a:rPr lang="en-GB" smtClean="0"/>
-              <a:t>31/10/2013</a:t>
+              <a:pPr/>
+              <a:t>04/11/2013</a:t>
             </a:fld>
             <a:endParaRPr lang="en-GB"/>
           </a:p>
@@ -1359,6 +1370,7 @@
           <a:p>
             <a:fld id="{77201AC8-27C6-4CC5-8B4B-644E076A88E6}" type="slidenum">
               <a:rPr lang="en-GB" smtClean="0"/>
+              <a:pPr/>
               <a:t>‹#›</a:t>
             </a:fld>
             <a:endParaRPr lang="en-GB"/>
@@ -1734,7 +1746,8 @@
           <a:p>
             <a:fld id="{03821F2B-192B-4994-AC9E-F2B408F8063F}" type="datetimeFigureOut">
               <a:rPr lang="en-GB" smtClean="0"/>
-              <a:t>31/10/2013</a:t>
+              <a:pPr/>
+              <a:t>04/11/2013</a:t>
             </a:fld>
             <a:endParaRPr lang="en-GB"/>
           </a:p>
@@ -1776,6 +1789,7 @@
           <a:p>
             <a:fld id="{77201AC8-27C6-4CC5-8B4B-644E076A88E6}" type="slidenum">
               <a:rPr lang="en-GB" smtClean="0"/>
+              <a:pPr/>
               <a:t>‹#›</a:t>
             </a:fld>
             <a:endParaRPr lang="en-GB"/>
@@ -1847,7 +1861,8 @@
           <a:p>
             <a:fld id="{03821F2B-192B-4994-AC9E-F2B408F8063F}" type="datetimeFigureOut">
               <a:rPr lang="en-GB" smtClean="0"/>
-              <a:t>31/10/2013</a:t>
+              <a:pPr/>
+              <a:t>04/11/2013</a:t>
             </a:fld>
             <a:endParaRPr lang="en-GB"/>
           </a:p>
@@ -1889,6 +1904,7 @@
           <a:p>
             <a:fld id="{77201AC8-27C6-4CC5-8B4B-644E076A88E6}" type="slidenum">
               <a:rPr lang="en-GB" smtClean="0"/>
+              <a:pPr/>
               <a:t>‹#›</a:t>
             </a:fld>
             <a:endParaRPr lang="en-GB"/>
@@ -1937,7 +1953,8 @@
           <a:p>
             <a:fld id="{03821F2B-192B-4994-AC9E-F2B408F8063F}" type="datetimeFigureOut">
               <a:rPr lang="en-GB" smtClean="0"/>
-              <a:t>31/10/2013</a:t>
+              <a:pPr/>
+              <a:t>04/11/2013</a:t>
             </a:fld>
             <a:endParaRPr lang="en-GB"/>
           </a:p>
@@ -1979,6 +1996,7 @@
           <a:p>
             <a:fld id="{77201AC8-27C6-4CC5-8B4B-644E076A88E6}" type="slidenum">
               <a:rPr lang="en-GB" smtClean="0"/>
+              <a:pPr/>
               <a:t>‹#›</a:t>
             </a:fld>
             <a:endParaRPr lang="en-GB"/>
@@ -2209,7 +2227,8 @@
           <a:p>
             <a:fld id="{03821F2B-192B-4994-AC9E-F2B408F8063F}" type="datetimeFigureOut">
               <a:rPr lang="en-GB" smtClean="0"/>
-              <a:t>31/10/2013</a:t>
+              <a:pPr/>
+              <a:t>04/11/2013</a:t>
             </a:fld>
             <a:endParaRPr lang="en-GB"/>
           </a:p>
@@ -2251,6 +2270,7 @@
           <a:p>
             <a:fld id="{77201AC8-27C6-4CC5-8B4B-644E076A88E6}" type="slidenum">
               <a:rPr lang="en-GB" smtClean="0"/>
+              <a:pPr/>
               <a:t>‹#›</a:t>
             </a:fld>
             <a:endParaRPr lang="en-GB"/>
@@ -2457,7 +2477,8 @@
           <a:p>
             <a:fld id="{03821F2B-192B-4994-AC9E-F2B408F8063F}" type="datetimeFigureOut">
               <a:rPr lang="en-GB" smtClean="0"/>
-              <a:t>31/10/2013</a:t>
+              <a:pPr/>
+              <a:t>04/11/2013</a:t>
             </a:fld>
             <a:endParaRPr lang="en-GB"/>
           </a:p>
@@ -2499,6 +2520,7 @@
           <a:p>
             <a:fld id="{77201AC8-27C6-4CC5-8B4B-644E076A88E6}" type="slidenum">
               <a:rPr lang="en-GB" smtClean="0"/>
+              <a:pPr/>
               <a:t>‹#›</a:t>
             </a:fld>
             <a:endParaRPr lang="en-GB"/>
@@ -2665,7 +2687,8 @@
           <a:p>
             <a:fld id="{03821F2B-192B-4994-AC9E-F2B408F8063F}" type="datetimeFigureOut">
               <a:rPr lang="en-GB" smtClean="0"/>
-              <a:t>31/10/2013</a:t>
+              <a:pPr/>
+              <a:t>04/11/2013</a:t>
             </a:fld>
             <a:endParaRPr lang="en-GB"/>
           </a:p>
@@ -2743,6 +2766,7 @@
           <a:p>
             <a:fld id="{77201AC8-27C6-4CC5-8B4B-644E076A88E6}" type="slidenum">
               <a:rPr lang="en-GB" smtClean="0"/>
+              <a:pPr/>
               <a:t>‹#›</a:t>
             </a:fld>
             <a:endParaRPr lang="en-GB"/>
@@ -3720,6 +3744,242 @@
           </a:p>
         </p:txBody>
       </p:sp>
+      <p:sp>
+        <p:nvSpPr>
+          <p:cNvPr id="20" name="Oval 19"/>
+          <p:cNvSpPr/>
+          <p:nvPr/>
+        </p:nvSpPr>
+        <p:spPr>
+          <a:xfrm>
+            <a:off x="1691680" y="6309320"/>
+            <a:ext cx="216024" cy="216024"/>
+          </a:xfrm>
+          <a:prstGeom prst="ellipse">
+            <a:avLst/>
+          </a:prstGeom>
+          <a:solidFill>
+            <a:srgbClr val="FF0000"/>
+          </a:solidFill>
+          <a:ln>
+            <a:noFill/>
+          </a:ln>
+        </p:spPr>
+        <p:style>
+          <a:lnRef idx="2">
+            <a:schemeClr val="accent1">
+              <a:shade val="50000"/>
+            </a:schemeClr>
+          </a:lnRef>
+          <a:fillRef idx="1">
+            <a:schemeClr val="accent1"/>
+          </a:fillRef>
+          <a:effectRef idx="0">
+            <a:schemeClr val="accent1"/>
+          </a:effectRef>
+          <a:fontRef idx="minor">
+            <a:schemeClr val="lt1"/>
+          </a:fontRef>
+        </p:style>
+        <p:txBody>
+          <a:bodyPr rtlCol="0" anchor="ctr"/>
+          <a:lstStyle/>
+          <a:p>
+            <a:pPr algn="ctr"/>
+            <a:endParaRPr lang="en-GB"/>
+          </a:p>
+        </p:txBody>
+      </p:sp>
+      <p:grpSp>
+        <p:nvGrpSpPr>
+          <p:cNvPr id="21" name="Group 20"/>
+          <p:cNvGrpSpPr/>
+          <p:nvPr/>
+        </p:nvGrpSpPr>
+        <p:grpSpPr>
+          <a:xfrm>
+            <a:off x="3721820" y="6309320"/>
+            <a:ext cx="274116" cy="218405"/>
+            <a:chOff x="1371328" y="1410395"/>
+            <a:chExt cx="274116" cy="218405"/>
+          </a:xfrm>
+        </p:grpSpPr>
+        <p:sp>
+          <p:nvSpPr>
+            <p:cNvPr id="22" name="Oval 21"/>
+            <p:cNvSpPr/>
+            <p:nvPr/>
+          </p:nvSpPr>
+          <p:spPr>
+            <a:xfrm>
+              <a:off x="1403648" y="1412776"/>
+              <a:ext cx="216024" cy="216024"/>
+            </a:xfrm>
+            <a:prstGeom prst="ellipse">
+              <a:avLst/>
+            </a:prstGeom>
+            <a:noFill/>
+            <a:ln w="38100">
+              <a:solidFill>
+                <a:schemeClr val="tx1"/>
+              </a:solidFill>
+            </a:ln>
+          </p:spPr>
+          <p:style>
+            <a:lnRef idx="2">
+              <a:schemeClr val="accent1">
+                <a:shade val="50000"/>
+              </a:schemeClr>
+            </a:lnRef>
+            <a:fillRef idx="1">
+              <a:schemeClr val="accent1"/>
+            </a:fillRef>
+            <a:effectRef idx="0">
+              <a:schemeClr val="accent1"/>
+            </a:effectRef>
+            <a:fontRef idx="minor">
+              <a:schemeClr val="lt1"/>
+            </a:fontRef>
+          </p:style>
+          <p:txBody>
+            <a:bodyPr rtlCol="0" anchor="ctr"/>
+            <a:lstStyle/>
+            <a:p>
+              <a:pPr algn="ctr"/>
+              <a:endParaRPr lang="en-GB"/>
+            </a:p>
+          </p:txBody>
+        </p:sp>
+        <p:cxnSp>
+          <p:nvCxnSpPr>
+            <p:cNvPr id="23" name="Straight Connector 22"/>
+            <p:cNvCxnSpPr/>
+            <p:nvPr/>
+          </p:nvCxnSpPr>
+          <p:spPr>
+            <a:xfrm>
+              <a:off x="1371328" y="1410395"/>
+              <a:ext cx="274116" cy="1687"/>
+            </a:xfrm>
+            <a:prstGeom prst="line">
+              <a:avLst/>
+            </a:prstGeom>
+            <a:ln w="38100">
+              <a:solidFill>
+                <a:schemeClr val="tx1"/>
+              </a:solidFill>
+            </a:ln>
+          </p:spPr>
+          <p:style>
+            <a:lnRef idx="1">
+              <a:schemeClr val="accent1"/>
+            </a:lnRef>
+            <a:fillRef idx="0">
+              <a:schemeClr val="accent1"/>
+            </a:fillRef>
+            <a:effectRef idx="0">
+              <a:schemeClr val="accent1"/>
+            </a:effectRef>
+            <a:fontRef idx="minor">
+              <a:schemeClr val="tx1"/>
+            </a:fontRef>
+          </p:style>
+        </p:cxnSp>
+      </p:grpSp>
+      <p:sp>
+        <p:nvSpPr>
+          <p:cNvPr id="25" name="Oval 24"/>
+          <p:cNvSpPr/>
+          <p:nvPr/>
+        </p:nvSpPr>
+        <p:spPr>
+          <a:xfrm>
+            <a:off x="5505960" y="6309320"/>
+            <a:ext cx="866240" cy="864096"/>
+          </a:xfrm>
+          <a:prstGeom prst="ellipse">
+            <a:avLst/>
+          </a:prstGeom>
+          <a:noFill/>
+          <a:ln>
+            <a:solidFill>
+              <a:srgbClr val="FF0000">
+                <a:alpha val="36000"/>
+              </a:srgbClr>
+            </a:solidFill>
+          </a:ln>
+        </p:spPr>
+        <p:style>
+          <a:lnRef idx="2">
+            <a:schemeClr val="accent1">
+              <a:shade val="50000"/>
+            </a:schemeClr>
+          </a:lnRef>
+          <a:fillRef idx="1">
+            <a:schemeClr val="accent1"/>
+          </a:fillRef>
+          <a:effectRef idx="0">
+            <a:schemeClr val="accent1"/>
+          </a:effectRef>
+          <a:fontRef idx="minor">
+            <a:schemeClr val="lt1"/>
+          </a:fontRef>
+        </p:style>
+        <p:txBody>
+          <a:bodyPr rtlCol="0" anchor="ctr"/>
+          <a:lstStyle/>
+          <a:p>
+            <a:pPr algn="ctr"/>
+            <a:endParaRPr lang="en-GB"/>
+          </a:p>
+        </p:txBody>
+      </p:sp>
+      <p:sp>
+        <p:nvSpPr>
+          <p:cNvPr id="26" name="Rectangle 25"/>
+          <p:cNvSpPr/>
+          <p:nvPr/>
+        </p:nvSpPr>
+        <p:spPr>
+          <a:xfrm>
+            <a:off x="5076056" y="6525344"/>
+            <a:ext cx="1872208" cy="792088"/>
+          </a:xfrm>
+          <a:prstGeom prst="rect">
+            <a:avLst/>
+          </a:prstGeom>
+          <a:solidFill>
+            <a:schemeClr val="bg1"/>
+          </a:solidFill>
+          <a:ln>
+            <a:noFill/>
+          </a:ln>
+        </p:spPr>
+        <p:style>
+          <a:lnRef idx="2">
+            <a:schemeClr val="accent1">
+              <a:shade val="50000"/>
+            </a:schemeClr>
+          </a:lnRef>
+          <a:fillRef idx="1">
+            <a:schemeClr val="accent1"/>
+          </a:fillRef>
+          <a:effectRef idx="0">
+            <a:schemeClr val="accent1"/>
+          </a:effectRef>
+          <a:fontRef idx="minor">
+            <a:schemeClr val="lt1"/>
+          </a:fontRef>
+        </p:style>
+        <p:txBody>
+          <a:bodyPr rtlCol="0" anchor="ctr"/>
+          <a:lstStyle/>
+          <a:p>
+            <a:pPr algn="ctr"/>
+            <a:endParaRPr lang="en-US"/>
+          </a:p>
+        </p:txBody>
+      </p:sp>
     </p:spTree>
   </p:cSld>
   <p:clrMapOvr>
